--- a/04_crypto/certificados_digitales_firma_digital.pptx
+++ b/04_crypto/certificados_digitales_firma_digital.pptx
@@ -29880,7 +29880,7 @@
           </p:nvSpPr>
           <p:spPr>
             <a:xfrm>
-              <a:off x="4761363" y="4166637"/>
+              <a:off x="4761363" y="4652774"/>
               <a:ext cx="733321" cy="1435"/>
             </a:xfrm>
             <a:custGeom>
@@ -46958,7 +46958,7 @@
                               <p:par>
                                 <p:cTn id="9" presetClass="entr" fill="hold" nodeType="clickEffect">
                                   <p:stCondLst>
-                                    <p:cond delay="1000"/>
+                                    <p:cond delay="0"/>
                                   </p:stCondLst>
                                   <p:childTnLst>
                                     <p:set>
@@ -49713,9 +49713,9 @@
                             </p:stCondLst>
                             <p:childTnLst>
                               <p:par>
-                                <p:cTn id="5" presetClass="entr" fill="hold" nodeType="clickEffect">
+                                <p:cTn id="5" presetID="1" presetClass="entr" presetSubtype="0" fill="hold" grpId="0" nodeType="clickEffect">
                                   <p:stCondLst>
-                                    <p:cond delay="500"/>
+                                    <p:cond delay="0"/>
                                   </p:stCondLst>
                                   <p:childTnLst>
                                     <p:set>
@@ -49727,51 +49727,6 @@
                                         </p:cTn>
                                         <p:tgtEl>
                                           <p:spTgt spid="15"/>
-                                        </p:tgtEl>
-                                        <p:attrNameLst>
-                                          <p:attrName>style.visibility</p:attrName>
-                                        </p:attrNameLst>
-                                      </p:cBhvr>
-                                      <p:to>
-                                        <p:strVal val="visible"/>
-                                      </p:to>
-                                    </p:set>
-                                  </p:childTnLst>
-                                </p:cTn>
-                              </p:par>
-                            </p:childTnLst>
-                          </p:cTn>
-                        </p:par>
-                      </p:childTnLst>
-                    </p:cTn>
-                  </p:par>
-                  <p:par>
-                    <p:cTn id="7" fill="hold">
-                      <p:stCondLst>
-                        <p:cond delay="indefinite"/>
-                      </p:stCondLst>
-                      <p:childTnLst>
-                        <p:par>
-                          <p:cTn id="8" fill="hold">
-                            <p:stCondLst>
-                              <p:cond delay="0"/>
-                            </p:stCondLst>
-                            <p:childTnLst>
-                              <p:par>
-                                <p:cTn id="9" presetClass="entr" fill="hold" nodeType="clickEffect">
-                                  <p:stCondLst>
-                                    <p:cond delay="500"/>
-                                  </p:stCondLst>
-                                  <p:childTnLst>
-                                    <p:set>
-                                      <p:cBhvr>
-                                        <p:cTn id="10" dur="0" fill="hold">
-                                          <p:stCondLst>
-                                            <p:cond delay="0"/>
-                                          </p:stCondLst>
-                                        </p:cTn>
-                                        <p:tgtEl>
-                                          <p:spTgt spid="16"/>
                                         </p:tgtEl>
                                         <p:attrNameLst>
                                           <p:attrName>style.visibility</p:attrName>
@@ -49811,6 +49766,9 @@
         </p:cTn>
       </p:par>
     </p:tnLst>
+    <p:bldLst>
+      <p:bldP spid="15" grpId="0" animBg="1"/>
+    </p:bldLst>
   </p:timing>
 </p:sld>
 </file>
